--- a/COMP270/02/2020-21-COMP270-02-lecture-materials-4.pptx
+++ b/COMP270/02/2020-21-COMP270-02-lecture-materials-4.pptx
@@ -249,7 +249,7 @@
           <a:p>
             <a:fld id="{8906F081-8781-4431-8FD4-2CF608CD7C47}" type="datetimeFigureOut">
               <a:rPr lang="en-US" smtClean="0"/>
-              <a:t>8/7/2020</a:t>
+              <a:t>8/28/2020</a:t>
             </a:fld>
             <a:endParaRPr lang="en-US"/>
           </a:p>
@@ -414,7 +414,7 @@
           <a:p>
             <a:fld id="{F06CA47C-B7FD-4BE9-B0E6-81BA758D95F2}" type="datetimeFigureOut">
               <a:rPr lang="en-US" smtClean="0"/>
-              <a:t>8/7/2020</a:t>
+              <a:t>8/28/2020</a:t>
             </a:fld>
             <a:endParaRPr lang="en-US"/>
           </a:p>
@@ -725,7 +725,10 @@
           <a:bodyPr/>
           <a:lstStyle/>
           <a:p>
-            <a:endParaRPr lang="en-US" dirty="0"/>
+            <a:r>
+              <a:rPr lang="en-US" dirty="0"/>
+              <a:t>This is the last video for this week, in which we’ll draw together some of the things we’ve looked at in the first three sections by considering general curves and the parameters used to represent them,</a:t>
+            </a:r>
           </a:p>
         </p:txBody>
       </p:sp>
@@ -809,7 +812,28 @@
           <a:bodyPr/>
           <a:lstStyle/>
           <a:p>
+            <a:r>
+              <a:rPr lang="en-GB" dirty="0"/>
+              <a:t>We can see that, when t is 0, the result is just the starting point p1. As t increases, the point moves along the vector v and at t = 1, it’s at the end point p2;</a:t>
+            </a:r>
+          </a:p>
+          <a:p>
             <a:endParaRPr lang="en-GB" dirty="0"/>
+          </a:p>
+          <a:p>
+            <a:r>
+              <a:rPr lang="en-GB" dirty="0"/>
+              <a:t>the values t and t – 1 are proportional to the distances between the point and the start and end of the vector.</a:t>
+            </a:r>
+          </a:p>
+          <a:p>
+            <a:endParaRPr lang="en-GB" dirty="0"/>
+          </a:p>
+          <a:p>
+            <a:r>
+              <a:rPr lang="en-GB" dirty="0"/>
+              <a:t>Varying t in this way is known as performing a linear interpolation – linear because it’s along a line.</a:t>
+            </a:r>
           </a:p>
         </p:txBody>
       </p:sp>
@@ -830,7 +854,7 @@
           <a:p>
             <a:fld id="{923716F0-385D-4F6E-BE54-A09D410D24C2}" type="slidenum">
               <a:rPr lang="en-US" smtClean="0"/>
-              <a:t>11</a:t>
+              <a:t>10</a:t>
             </a:fld>
             <a:endParaRPr lang="en-US"/>
           </a:p>
@@ -839,7 +863,7 @@
     </p:spTree>
     <p:extLst>
       <p:ext uri="{BB962C8B-B14F-4D97-AF65-F5344CB8AC3E}">
-        <p14:creationId xmlns:p14="http://schemas.microsoft.com/office/powerpoint/2010/main" val="2051268141"/>
+        <p14:creationId xmlns:p14="http://schemas.microsoft.com/office/powerpoint/2010/main" val="372351562"/>
       </p:ext>
     </p:extLst>
   </p:cSld>
@@ -895,7 +919,13 @@
           <a:p>
             <a:r>
               <a:rPr lang="en-GB" dirty="0"/>
-              <a:t>Here, rather than the linear displacement from the starting point, t is the angle with the positive x-axis</a:t>
+              <a:t>We can separate this vector function out and consider the x and y coordinates separately, and see that as t varies, we’re performing a linear interpolation along each axis;</a:t>
+            </a:r>
+          </a:p>
+          <a:p>
+            <a:r>
+              <a:rPr lang="en-GB" dirty="0"/>
+              <a:t>We can also extend t above 1 and below 0 to find points outside the original ones.</a:t>
             </a:r>
           </a:p>
         </p:txBody>
@@ -917,7 +947,7 @@
           <a:p>
             <a:fld id="{923716F0-385D-4F6E-BE54-A09D410D24C2}" type="slidenum">
               <a:rPr lang="en-US" smtClean="0"/>
-              <a:t>12</a:t>
+              <a:t>11</a:t>
             </a:fld>
             <a:endParaRPr lang="en-US"/>
           </a:p>
@@ -926,7 +956,7 @@
     </p:spTree>
     <p:extLst>
       <p:ext uri="{BB962C8B-B14F-4D97-AF65-F5344CB8AC3E}">
-        <p14:creationId xmlns:p14="http://schemas.microsoft.com/office/powerpoint/2010/main" val="3545054702"/>
+        <p14:creationId xmlns:p14="http://schemas.microsoft.com/office/powerpoint/2010/main" val="2051268141"/>
       </p:ext>
     </p:extLst>
   </p:cSld>
@@ -980,7 +1010,27 @@
           <a:bodyPr/>
           <a:lstStyle/>
           <a:p>
+            <a:r>
+              <a:rPr lang="en-GB" dirty="0"/>
+              <a:t>Going back to our unit circle, we can define its parametric equation as x = cost, y = </a:t>
+            </a:r>
+            <a:r>
+              <a:rPr lang="en-GB" dirty="0" err="1"/>
+              <a:t>sint</a:t>
+            </a:r>
+            <a:r>
+              <a:rPr lang="en-GB" dirty="0"/>
+              <a:t>;</a:t>
+            </a:r>
+          </a:p>
+          <a:p>
             <a:endParaRPr lang="en-GB" dirty="0"/>
+          </a:p>
+          <a:p>
+            <a:r>
+              <a:rPr lang="en-GB" dirty="0"/>
+              <a:t>You can verify that this is equivalent to the original equation, x^2 + y^2 = 1, using the trigonometric identity shown. Here, rather than the linear displacement from the starting point, the parameter t is the angle with the positive x-axis, and it’s defined over a range of 0 to 2pi.</a:t>
+            </a:r>
           </a:p>
         </p:txBody>
       </p:sp>
@@ -1001,7 +1051,7 @@
           <a:p>
             <a:fld id="{923716F0-385D-4F6E-BE54-A09D410D24C2}" type="slidenum">
               <a:rPr lang="en-US" smtClean="0"/>
-              <a:t>13</a:t>
+              <a:t>12</a:t>
             </a:fld>
             <a:endParaRPr lang="en-US"/>
           </a:p>
@@ -1010,7 +1060,7 @@
     </p:spTree>
     <p:extLst>
       <p:ext uri="{BB962C8B-B14F-4D97-AF65-F5344CB8AC3E}">
-        <p14:creationId xmlns:p14="http://schemas.microsoft.com/office/powerpoint/2010/main" val="3890746003"/>
+        <p14:creationId xmlns:p14="http://schemas.microsoft.com/office/powerpoint/2010/main" val="3545054702"/>
       </p:ext>
     </p:extLst>
   </p:cSld>
@@ -1064,7 +1114,142 @@
           <a:bodyPr/>
           <a:lstStyle/>
           <a:p>
+            <a:r>
+              <a:rPr lang="en-GB" dirty="0"/>
+              <a:t>We can use parametric equations to express a wide range of different curves, including this butterfly, and some others that are part of this week’s workshop exercises. Being able to express the x and y components of a function independently will also be useful when we look at mechanics in weeks 4 and 5.</a:t>
+            </a:r>
+          </a:p>
+          <a:p>
             <a:endParaRPr lang="en-GB" dirty="0"/>
+          </a:p>
+          <a:p>
+            <a:r>
+              <a:rPr lang="en-GB" dirty="0"/>
+              <a:t>There is an another special kind of curve that is defined using a parameter, and that’s</a:t>
+            </a:r>
+          </a:p>
+        </p:txBody>
+      </p:sp>
+      <p:sp>
+        <p:nvSpPr>
+          <p:cNvPr id="4" name="Slide Number Placeholder 3"/>
+          <p:cNvSpPr>
+            <a:spLocks noGrp="1"/>
+          </p:cNvSpPr>
+          <p:nvPr>
+            <p:ph type="sldNum" sz="quarter" idx="5"/>
+          </p:nvPr>
+        </p:nvSpPr>
+        <p:spPr/>
+        <p:txBody>
+          <a:bodyPr/>
+          <a:lstStyle/>
+          <a:p>
+            <a:fld id="{923716F0-385D-4F6E-BE54-A09D410D24C2}" type="slidenum">
+              <a:rPr lang="en-US" smtClean="0"/>
+              <a:t>13</a:t>
+            </a:fld>
+            <a:endParaRPr lang="en-US"/>
+          </a:p>
+        </p:txBody>
+      </p:sp>
+    </p:spTree>
+    <p:extLst>
+      <p:ext uri="{BB962C8B-B14F-4D97-AF65-F5344CB8AC3E}">
+        <p14:creationId xmlns:p14="http://schemas.microsoft.com/office/powerpoint/2010/main" val="3890746003"/>
+      </p:ext>
+    </p:extLst>
+  </p:cSld>
+  <p:clrMapOvr>
+    <a:masterClrMapping/>
+  </p:clrMapOvr>
+</p:notes>
+</file>
+
+<file path=ppt/notesSlides/notesSlide14.xml><?xml version="1.0" encoding="utf-8"?>
+<p:notes xmlns:a="http://schemas.openxmlformats.org/drawingml/2006/main" xmlns:r="http://schemas.openxmlformats.org/officeDocument/2006/relationships" xmlns:p="http://schemas.openxmlformats.org/presentationml/2006/main">
+  <p:cSld>
+    <p:spTree>
+      <p:nvGrpSpPr>
+        <p:cNvPr id="1" name=""/>
+        <p:cNvGrpSpPr/>
+        <p:nvPr/>
+      </p:nvGrpSpPr>
+      <p:grpSpPr>
+        <a:xfrm>
+          <a:off x="0" y="0"/>
+          <a:ext cx="0" cy="0"/>
+          <a:chOff x="0" y="0"/>
+          <a:chExt cx="0" cy="0"/>
+        </a:xfrm>
+      </p:grpSpPr>
+      <p:sp>
+        <p:nvSpPr>
+          <p:cNvPr id="2" name="Slide Image Placeholder 1"/>
+          <p:cNvSpPr>
+            <a:spLocks noGrp="1" noRot="1" noChangeAspect="1"/>
+          </p:cNvSpPr>
+          <p:nvPr>
+            <p:ph type="sldImg"/>
+          </p:nvPr>
+        </p:nvSpPr>
+        <p:spPr/>
+      </p:sp>
+      <p:sp>
+        <p:nvSpPr>
+          <p:cNvPr id="3" name="Notes Placeholder 2"/>
+          <p:cNvSpPr>
+            <a:spLocks noGrp="1"/>
+          </p:cNvSpPr>
+          <p:nvPr>
+            <p:ph type="body" idx="1"/>
+          </p:nvPr>
+        </p:nvSpPr>
+        <p:spPr/>
+        <p:txBody>
+          <a:bodyPr/>
+          <a:lstStyle/>
+          <a:p>
+            <a:r>
+              <a:rPr lang="en-GB" dirty="0"/>
+              <a:t>The Bezier curve, named after a French engineer. Instead of being defined by a fixed equation, </a:t>
+            </a:r>
+          </a:p>
+          <a:p>
+            <a:endParaRPr lang="en-GB" dirty="0"/>
+          </a:p>
+          <a:p>
+            <a:r>
+              <a:rPr lang="en-GB" dirty="0"/>
+              <a:t>Bezier curves are given as a weighted blend of control points, which is a little like an interpolation as it allows the creation of something that’s in between the values.</a:t>
+            </a:r>
+          </a:p>
+          <a:p>
+            <a:endParaRPr lang="en-GB" dirty="0"/>
+          </a:p>
+          <a:p>
+            <a:r>
+              <a:rPr lang="en-GB" dirty="0"/>
+              <a:t>These control points can be specified as coordinates by artists or designers in graphics packages, and allows them to create smooth shapes whilst only having to store a few values in memory.</a:t>
+            </a:r>
+          </a:p>
+          <a:p>
+            <a:endParaRPr lang="en-GB" dirty="0"/>
+          </a:p>
+          <a:p>
+            <a:r>
+              <a:rPr lang="en-GB" dirty="0"/>
+              <a:t>That’s all I’m going to say about Bezier curves for now; there is more information on worksheet A, where your first task is to draw a curve from a given set of control points.</a:t>
+            </a:r>
+          </a:p>
+          <a:p>
+            <a:endParaRPr lang="en-GB" dirty="0"/>
+          </a:p>
+          <a:p>
+            <a:r>
+              <a:rPr lang="en-GB" dirty="0"/>
+              <a:t>This concludes the lecture content for this week; if you haven’t already done so, have a go at the learning space quizzes to see how much you can remember, then take a look at the exercises for the workshop and the first assignment worksheet. If you have any questions or comments, please post them on the forum or send me an email.</a:t>
+            </a:r>
           </a:p>
         </p:txBody>
       </p:sp>
@@ -1150,13 +1335,7 @@
           <a:p>
             <a:r>
               <a:rPr lang="en-GB" dirty="0"/>
-              <a:t>Which gives some approximation of a curved line.</a:t>
-            </a:r>
-          </a:p>
-          <a:p>
-            <a:r>
-              <a:rPr lang="en-GB" dirty="0"/>
-              <a:t>Euclid had a rather more poetic description of this, where he said that</a:t>
+              <a:t>In a form known as parametric equations. As part of this, we’ll also see how to formulate the vector equation of a straight line.</a:t>
             </a:r>
           </a:p>
         </p:txBody>
@@ -1178,7 +1357,7 @@
           <a:p>
             <a:fld id="{923716F0-385D-4F6E-BE54-A09D410D24C2}" type="slidenum">
               <a:rPr lang="en-US" smtClean="0"/>
-              <a:t>3</a:t>
+              <a:t>2</a:t>
             </a:fld>
             <a:endParaRPr lang="en-US"/>
           </a:p>
@@ -1187,7 +1366,7 @@
     </p:spTree>
     <p:extLst>
       <p:ext uri="{BB962C8B-B14F-4D97-AF65-F5344CB8AC3E}">
-        <p14:creationId xmlns:p14="http://schemas.microsoft.com/office/powerpoint/2010/main" val="1679215179"/>
+        <p14:creationId xmlns:p14="http://schemas.microsoft.com/office/powerpoint/2010/main" val="741504150"/>
       </p:ext>
     </p:extLst>
   </p:cSld>
@@ -1241,9 +1420,126 @@
           <a:bodyPr/>
           <a:lstStyle/>
           <a:p>
+            <a:pPr marL="0" marR="0" lvl="0" indent="0" algn="l" defTabSz="914400" rtl="0" eaLnBrk="1" fontAlgn="auto" latinLnBrk="0" hangingPunct="1">
+              <a:lnSpc>
+                <a:spcPct val="100000"/>
+              </a:lnSpc>
+              <a:spcBef>
+                <a:spcPts val="0"/>
+              </a:spcBef>
+              <a:spcAft>
+                <a:spcPts val="0"/>
+              </a:spcAft>
+              <a:buClrTx/>
+              <a:buSzTx/>
+              <a:buFontTx/>
+              <a:buNone/>
+              <a:tabLst/>
+              <a:defRPr/>
+            </a:pPr>
+            <a:r>
+              <a:rPr lang="en-US" dirty="0"/>
+              <a:t>In the last video, we started to look at functions and</a:t>
+            </a:r>
+          </a:p>
+          <a:p>
+            <a:pPr marL="0" marR="0" lvl="0" indent="0" algn="l" defTabSz="914400" rtl="0" eaLnBrk="1" fontAlgn="auto" latinLnBrk="0" hangingPunct="1">
+              <a:lnSpc>
+                <a:spcPct val="100000"/>
+              </a:lnSpc>
+              <a:spcBef>
+                <a:spcPts val="0"/>
+              </a:spcBef>
+              <a:spcAft>
+                <a:spcPts val="0"/>
+              </a:spcAft>
+              <a:buClrTx/>
+              <a:buSzTx/>
+              <a:buFontTx/>
+              <a:buNone/>
+              <a:tabLst/>
+              <a:defRPr/>
+            </a:pPr>
+            <a:endParaRPr lang="en-US" dirty="0"/>
+          </a:p>
+          <a:p>
+            <a:pPr marL="0" marR="0" lvl="0" indent="0" algn="l" defTabSz="914400" rtl="0" eaLnBrk="1" fontAlgn="auto" latinLnBrk="0" hangingPunct="1">
+              <a:lnSpc>
+                <a:spcPct val="100000"/>
+              </a:lnSpc>
+              <a:spcBef>
+                <a:spcPts val="0"/>
+              </a:spcBef>
+              <a:spcAft>
+                <a:spcPts val="0"/>
+              </a:spcAft>
+              <a:buClrTx/>
+              <a:buSzTx/>
+              <a:buFontTx/>
+              <a:buNone/>
+              <a:tabLst/>
+              <a:defRPr/>
+            </a:pPr>
+            <a:r>
+              <a:rPr lang="en-US" dirty="0"/>
+              <a:t>how to draw some simple graphs of the form y = f(x) by plotting a suitable number of points to draw lines between, </a:t>
+            </a:r>
+          </a:p>
+          <a:p>
+            <a:pPr marL="0" marR="0" lvl="0" indent="0" algn="l" defTabSz="914400" rtl="0" eaLnBrk="1" fontAlgn="auto" latinLnBrk="0" hangingPunct="1">
+              <a:lnSpc>
+                <a:spcPct val="100000"/>
+              </a:lnSpc>
+              <a:spcBef>
+                <a:spcPts val="0"/>
+              </a:spcBef>
+              <a:spcAft>
+                <a:spcPts val="0"/>
+              </a:spcAft>
+              <a:buClrTx/>
+              <a:buSzTx/>
+              <a:buFontTx/>
+              <a:buNone/>
+              <a:tabLst/>
+              <a:defRPr/>
+            </a:pPr>
+            <a:endParaRPr lang="en-US" dirty="0"/>
+          </a:p>
+          <a:p>
+            <a:pPr marL="0" marR="0" lvl="0" indent="0" algn="l" defTabSz="914400" rtl="0" eaLnBrk="1" fontAlgn="auto" latinLnBrk="0" hangingPunct="1">
+              <a:lnSpc>
+                <a:spcPct val="100000"/>
+              </a:lnSpc>
+              <a:spcBef>
+                <a:spcPts val="0"/>
+              </a:spcBef>
+              <a:spcAft>
+                <a:spcPts val="0"/>
+              </a:spcAft>
+              <a:buClrTx/>
+              <a:buSzTx/>
+              <a:buFontTx/>
+              <a:buNone/>
+              <a:tabLst/>
+              <a:defRPr/>
+            </a:pPr>
+            <a:r>
+              <a:rPr lang="en-US" dirty="0"/>
+              <a:t>w</a:t>
+            </a:r>
+            <a:r>
+              <a:rPr lang="en-GB" dirty="0" err="1"/>
+              <a:t>hich</a:t>
+            </a:r>
             <a:r>
               <a:rPr lang="en-GB" dirty="0"/>
-              <a:t>So, you can imagine a curve as the trail left by a point as it moves through space, a little like when you write your name with a sparkler on bonfire night. We can represent the point’s motion using a function, which we can evaluate at various points to build up a picture of the overall path in as much detail as we require. The functions we looked at last time relate a distance along one axis of space to the distance along another, which works well for fairly simple curves, where each value of x gives only one y value, and can be extended to other shapes, too, for example a circle</a:t>
+              <a:t> gives some approximation of a curved line.</a:t>
+            </a:r>
+          </a:p>
+          <a:p>
+            <a:r>
+              <a:rPr lang="en-GB" dirty="0"/>
+              <a:t>Euclid had a rather more poetic description of this, where he said that</a:t>
             </a:r>
           </a:p>
         </p:txBody>
@@ -1265,7 +1561,7 @@
           <a:p>
             <a:fld id="{923716F0-385D-4F6E-BE54-A09D410D24C2}" type="slidenum">
               <a:rPr lang="en-US" smtClean="0"/>
-              <a:t>4</a:t>
+              <a:t>3</a:t>
             </a:fld>
             <a:endParaRPr lang="en-US"/>
           </a:p>
@@ -1274,7 +1570,7 @@
     </p:spTree>
     <p:extLst>
       <p:ext uri="{BB962C8B-B14F-4D97-AF65-F5344CB8AC3E}">
-        <p14:creationId xmlns:p14="http://schemas.microsoft.com/office/powerpoint/2010/main" val="3380571080"/>
+        <p14:creationId xmlns:p14="http://schemas.microsoft.com/office/powerpoint/2010/main" val="1679215179"/>
       </p:ext>
     </p:extLst>
   </p:cSld>
@@ -1330,13 +1626,16 @@
           <a:p>
             <a:r>
               <a:rPr lang="en-GB" dirty="0"/>
-              <a:t>We have to draw two separate semicircles for the positive and negative roots.</a:t>
+              <a:t>[…]</a:t>
             </a:r>
+          </a:p>
+          <a:p>
+            <a:endParaRPr lang="en-GB" dirty="0"/>
           </a:p>
           <a:p>
             <a:r>
               <a:rPr lang="en-GB" dirty="0"/>
-              <a:t>There is a way we can describe curves like this as a single unit, which is to define it parametrically, where instead of relating the y value directly to the x, we relate both coordinates to some other value that changes over, say, time or distance. For this, we use </a:t>
+              <a:t>So, you can imagine a curve as the trail left by a point as it moves through space, a little like when you write your name with a sparkler on bonfire night. We can represent the point’s motion using a function, which we can evaluate at various points to build up a picture of the overall path in as much detail as we require. The functions we looked at last time relate a distance along one axis of space to the distance along another, which works well for fairly simple curves, where each value of x gives only one y value, and can be extended to other shapes, too, for example</a:t>
             </a:r>
           </a:p>
         </p:txBody>
@@ -1358,7 +1657,7 @@
           <a:p>
             <a:fld id="{923716F0-385D-4F6E-BE54-A09D410D24C2}" type="slidenum">
               <a:rPr lang="en-US" smtClean="0"/>
-              <a:t>5</a:t>
+              <a:t>4</a:t>
             </a:fld>
             <a:endParaRPr lang="en-US"/>
           </a:p>
@@ -1367,7 +1666,7 @@
     </p:spTree>
     <p:extLst>
       <p:ext uri="{BB962C8B-B14F-4D97-AF65-F5344CB8AC3E}">
-        <p14:creationId xmlns:p14="http://schemas.microsoft.com/office/powerpoint/2010/main" val="1223335601"/>
+        <p14:creationId xmlns:p14="http://schemas.microsoft.com/office/powerpoint/2010/main" val="3380571080"/>
       </p:ext>
     </p:extLst>
   </p:cSld>
@@ -1421,7 +1720,37 @@
           <a:bodyPr/>
           <a:lstStyle/>
           <a:p>
+            <a:r>
+              <a:rPr lang="en-GB" dirty="0"/>
+              <a:t>A circle.</a:t>
+            </a:r>
+          </a:p>
+          <a:p>
             <a:endParaRPr lang="en-GB" dirty="0"/>
+          </a:p>
+          <a:p>
+            <a:r>
+              <a:rPr lang="en-GB" dirty="0"/>
+              <a:t>This is a little different from the curves we looked at before, as there appear to be two values of y for each value of x. We can describe the relationship between the two coordinates as being constrained </a:t>
+            </a:r>
+          </a:p>
+          <a:p>
+            <a:endParaRPr lang="en-GB" dirty="0"/>
+          </a:p>
+          <a:p>
+            <a:r>
+              <a:rPr lang="en-GB" dirty="0"/>
+              <a:t>By the equation x^2 + y^2 = 1 (for a unit circle), which comes from the right-angled triangle formed from the radius of the circle and the coordinates of the point at its end. We can rearrange this to give the more usual form y = f(x) as</a:t>
+            </a:r>
+          </a:p>
+          <a:p>
+            <a:endParaRPr lang="en-GB" dirty="0"/>
+          </a:p>
+          <a:p>
+            <a:r>
+              <a:rPr lang="en-GB" dirty="0"/>
+              <a:t>For which we effectively have to draw two separate semicircles for the positive and negative roots. There is a way we can describe curves like this as a single unit, which is to define them parametrically,</a:t>
+            </a:r>
           </a:p>
         </p:txBody>
       </p:sp>
@@ -1442,7 +1771,7 @@
           <a:p>
             <a:fld id="{923716F0-385D-4F6E-BE54-A09D410D24C2}" type="slidenum">
               <a:rPr lang="en-US" smtClean="0"/>
-              <a:t>6</a:t>
+              <a:t>5</a:t>
             </a:fld>
             <a:endParaRPr lang="en-US"/>
           </a:p>
@@ -1451,7 +1780,7 @@
     </p:spTree>
     <p:extLst>
       <p:ext uri="{BB962C8B-B14F-4D97-AF65-F5344CB8AC3E}">
-        <p14:creationId xmlns:p14="http://schemas.microsoft.com/office/powerpoint/2010/main" val="3590789521"/>
+        <p14:creationId xmlns:p14="http://schemas.microsoft.com/office/powerpoint/2010/main" val="1223335601"/>
       </p:ext>
     </p:extLst>
   </p:cSld>
@@ -1507,7 +1836,25 @@
           <a:p>
             <a:r>
               <a:rPr lang="en-GB" dirty="0"/>
-              <a:t>The simplest example of this is the vector equation of a line.</a:t>
+              <a:t>Where instead of relating the y value directly to the x, relate both coordinates to some other value (or values) which are independent variables that change over, say, time or distance.</a:t>
+            </a:r>
+          </a:p>
+          <a:p>
+            <a:endParaRPr lang="en-GB" dirty="0"/>
+          </a:p>
+          <a:p>
+            <a:r>
+              <a:rPr lang="en-GB" dirty="0"/>
+              <a:t>For the 2 dimensional space we’re working in, we’d have a pair of equations mapping between the same domains and codomains for the same input element, one giving the x coordinate and one the y. The input they operate on is known as the parameter, and it’s often represented by the letter t.</a:t>
+            </a:r>
+          </a:p>
+          <a:p>
+            <a:endParaRPr lang="en-GB" dirty="0"/>
+          </a:p>
+          <a:p>
+            <a:r>
+              <a:rPr lang="en-GB" dirty="0"/>
+              <a:t>We can also combine these two functions into a single function that takes the parameter as input, and returns the x and y values as a vector, rather than considering them separately and then combining.</a:t>
             </a:r>
           </a:p>
         </p:txBody>
@@ -1529,7 +1876,7 @@
           <a:p>
             <a:fld id="{923716F0-385D-4F6E-BE54-A09D410D24C2}" type="slidenum">
               <a:rPr lang="en-US" smtClean="0"/>
-              <a:t>7</a:t>
+              <a:t>6</a:t>
             </a:fld>
             <a:endParaRPr lang="en-US"/>
           </a:p>
@@ -1538,7 +1885,7 @@
     </p:spTree>
     <p:extLst>
       <p:ext uri="{BB962C8B-B14F-4D97-AF65-F5344CB8AC3E}">
-        <p14:creationId xmlns:p14="http://schemas.microsoft.com/office/powerpoint/2010/main" val="1144141816"/>
+        <p14:creationId xmlns:p14="http://schemas.microsoft.com/office/powerpoint/2010/main" val="3590789521"/>
       </p:ext>
     </p:extLst>
   </p:cSld>
@@ -1592,7 +1939,46 @@
           <a:bodyPr/>
           <a:lstStyle/>
           <a:p>
+            <a:r>
+              <a:rPr lang="en-GB" dirty="0"/>
+              <a:t>The simplest example of this is the vector equation of a line. Remember from the second of this week’s videos that a vector can be defined by two points, and</a:t>
+            </a:r>
+          </a:p>
+          <a:p>
             <a:endParaRPr lang="en-GB" dirty="0"/>
+          </a:p>
+          <a:p>
+            <a:r>
+              <a:rPr lang="en-GB" dirty="0"/>
+              <a:t>we can represent vectors of any length, and either direction, along the same line by taking a scalar multiple of the original vector.</a:t>
+            </a:r>
+          </a:p>
+          <a:p>
+            <a:endParaRPr lang="en-GB" dirty="0"/>
+          </a:p>
+          <a:p>
+            <a:r>
+              <a:rPr lang="en-GB" dirty="0"/>
+              <a:t>This means that we can find the coordinates, or vector displacement from the origin, of any point along the line by multiplying the vector v by some scalar, which gives a displacement from the starting point, and then adding the vector from the origin to the starting point.</a:t>
+            </a:r>
+          </a:p>
+          <a:p>
+            <a:endParaRPr lang="en-GB" dirty="0"/>
+          </a:p>
+          <a:p>
+            <a:r>
+              <a:rPr lang="en-GB" dirty="0"/>
+              <a:t>For instance, the point halfway between p1 and p2 is given by p1</a:t>
+            </a:r>
+          </a:p>
+          <a:p>
+            <a:endParaRPr lang="en-GB" dirty="0"/>
+          </a:p>
+          <a:p>
+            <a:r>
+              <a:rPr lang="en-GB" dirty="0"/>
+              <a:t>Plus 0.5v</a:t>
+            </a:r>
           </a:p>
         </p:txBody>
       </p:sp>
@@ -1613,7 +1999,7 @@
           <a:p>
             <a:fld id="{923716F0-385D-4F6E-BE54-A09D410D24C2}" type="slidenum">
               <a:rPr lang="en-US" smtClean="0"/>
-              <a:t>8</a:t>
+              <a:t>7</a:t>
             </a:fld>
             <a:endParaRPr lang="en-US"/>
           </a:p>
@@ -1622,7 +2008,7 @@
     </p:spTree>
     <p:extLst>
       <p:ext uri="{BB962C8B-B14F-4D97-AF65-F5344CB8AC3E}">
-        <p14:creationId xmlns:p14="http://schemas.microsoft.com/office/powerpoint/2010/main" val="3332559000"/>
+        <p14:creationId xmlns:p14="http://schemas.microsoft.com/office/powerpoint/2010/main" val="1144141816"/>
       </p:ext>
     </p:extLst>
   </p:cSld>
@@ -1676,7 +2062,19 @@
           <a:bodyPr/>
           <a:lstStyle/>
           <a:p>
+            <a:r>
+              <a:rPr lang="en-GB" dirty="0"/>
+              <a:t>We can write this parametrically, as p, our general point, equals p1 (the starting point) plus tv, with t representing the scalar we multiply the vector v by; since p1 and v are known quantities, this is a function of t.</a:t>
+            </a:r>
+          </a:p>
+          <a:p>
             <a:endParaRPr lang="en-GB" dirty="0"/>
+          </a:p>
+          <a:p>
+            <a:r>
+              <a:rPr lang="en-GB" dirty="0"/>
+              <a:t>If we expand it out to replace v with p2 – p1, we get that the function of t that gives a point p is (1-t)p1 + tp2 - </a:t>
+            </a:r>
           </a:p>
         </p:txBody>
       </p:sp>
@@ -1697,7 +2095,7 @@
           <a:p>
             <a:fld id="{923716F0-385D-4F6E-BE54-A09D410D24C2}" type="slidenum">
               <a:rPr lang="en-US" smtClean="0"/>
-              <a:t>9</a:t>
+              <a:t>8</a:t>
             </a:fld>
             <a:endParaRPr lang="en-US"/>
           </a:p>
@@ -1706,7 +2104,7 @@
     </p:spTree>
     <p:extLst>
       <p:ext uri="{BB962C8B-B14F-4D97-AF65-F5344CB8AC3E}">
-        <p14:creationId xmlns:p14="http://schemas.microsoft.com/office/powerpoint/2010/main" val="323942663"/>
+        <p14:creationId xmlns:p14="http://schemas.microsoft.com/office/powerpoint/2010/main" val="3332559000"/>
       </p:ext>
     </p:extLst>
   </p:cSld>
@@ -1760,7 +2158,10 @@
           <a:bodyPr/>
           <a:lstStyle/>
           <a:p>
-            <a:endParaRPr lang="en-GB" dirty="0"/>
+            <a:r>
+              <a:rPr lang="en-GB" dirty="0"/>
+              <a:t>That is, we’re adding a multiple of p1 to a multiple of p2, or in other words travelling some way along the vector from the origin to the starting point and then some way along the vector from the origin to the end point.</a:t>
+            </a:r>
           </a:p>
         </p:txBody>
       </p:sp>
@@ -1781,7 +2182,7 @@
           <a:p>
             <a:fld id="{923716F0-385D-4F6E-BE54-A09D410D24C2}" type="slidenum">
               <a:rPr lang="en-US" smtClean="0"/>
-              <a:t>10</a:t>
+              <a:t>9</a:t>
             </a:fld>
             <a:endParaRPr lang="en-US"/>
           </a:p>
@@ -1790,7 +2191,7 @@
     </p:spTree>
     <p:extLst>
       <p:ext uri="{BB962C8B-B14F-4D97-AF65-F5344CB8AC3E}">
-        <p14:creationId xmlns:p14="http://schemas.microsoft.com/office/powerpoint/2010/main" val="372351562"/>
+        <p14:creationId xmlns:p14="http://schemas.microsoft.com/office/powerpoint/2010/main" val="323942663"/>
       </p:ext>
     </p:extLst>
   </p:cSld>
@@ -1960,7 +2361,7 @@
           <a:p>
             <a:fld id="{33024136-D290-48F3-A182-4C46BEB5146B}" type="datetime1">
               <a:rPr lang="en-US" smtClean="0"/>
-              <a:t>8/7/2020</a:t>
+              <a:t>8/28/2020</a:t>
             </a:fld>
             <a:endParaRPr lang="en-US" dirty="0"/>
           </a:p>
@@ -2144,7 +2545,7 @@
           <a:p>
             <a:fld id="{9CC7D44C-38B1-4D0F-9006-D5774F331095}" type="datetime1">
               <a:rPr lang="en-US" smtClean="0"/>
-              <a:t>8/7/2020</a:t>
+              <a:t>8/28/2020</a:t>
             </a:fld>
             <a:endParaRPr lang="en-US"/>
           </a:p>
@@ -2338,7 +2739,7 @@
           <a:p>
             <a:fld id="{F98D518A-FD4F-4358-B95B-9DB5A17160FB}" type="datetime1">
               <a:rPr lang="en-US" smtClean="0"/>
-              <a:t>8/7/2020</a:t>
+              <a:t>8/28/2020</a:t>
             </a:fld>
             <a:endParaRPr lang="en-US"/>
           </a:p>
@@ -2531,7 +2932,7 @@
           <a:p>
             <a:fld id="{5E2A9F4F-03AD-4497-A65D-076601BD41D2}" type="datetime1">
               <a:rPr lang="en-US" smtClean="0"/>
-              <a:t>8/7/2020</a:t>
+              <a:t>8/28/2020</a:t>
             </a:fld>
             <a:endParaRPr lang="en-US"/>
           </a:p>
@@ -2754,7 +3155,7 @@
           <a:p>
             <a:fld id="{EDFBF3AC-A781-43AA-8BD5-B12F49168B94}" type="datetime1">
               <a:rPr lang="en-US" smtClean="0"/>
-              <a:t>8/7/2020</a:t>
+              <a:t>8/28/2020</a:t>
             </a:fld>
             <a:endParaRPr lang="en-US"/>
           </a:p>
@@ -3039,7 +3440,7 @@
           <a:p>
             <a:fld id="{C5256A41-C91B-43FF-9881-F5DA9878418F}" type="datetime1">
               <a:rPr lang="en-US" smtClean="0"/>
-              <a:t>8/7/2020</a:t>
+              <a:t>8/28/2020</a:t>
             </a:fld>
             <a:endParaRPr lang="en-US"/>
           </a:p>
@@ -3442,7 +3843,7 @@
           <a:p>
             <a:fld id="{FFD7AA76-41EE-4C13-950E-E611B8B8FC52}" type="datetime1">
               <a:rPr lang="en-US" smtClean="0"/>
-              <a:t>8/7/2020</a:t>
+              <a:t>8/28/2020</a:t>
             </a:fld>
             <a:endParaRPr lang="en-US"/>
           </a:p>
@@ -3589,7 +3990,7 @@
           <a:p>
             <a:fld id="{89407A26-E7BC-4498-97E4-87AF12377CA9}" type="datetime1">
               <a:rPr lang="en-US" smtClean="0"/>
-              <a:t>8/7/2020</a:t>
+              <a:t>8/28/2020</a:t>
             </a:fld>
             <a:endParaRPr lang="en-US"/>
           </a:p>
@@ -3704,7 +4105,7 @@
           <a:p>
             <a:fld id="{93EA4171-1117-4486-993C-35A7470D8847}" type="datetime1">
               <a:rPr lang="en-US" smtClean="0"/>
-              <a:t>8/7/2020</a:t>
+              <a:t>8/28/2020</a:t>
             </a:fld>
             <a:endParaRPr lang="en-US"/>
           </a:p>
@@ -3976,7 +4377,7 @@
           <a:p>
             <a:fld id="{472A4CB8-1563-4663-81DB-74EB416C19BE}" type="datetime1">
               <a:rPr lang="en-US" smtClean="0"/>
-              <a:t>8/7/2020</a:t>
+              <a:t>8/28/2020</a:t>
             </a:fld>
             <a:endParaRPr lang="en-US"/>
           </a:p>
@@ -4312,7 +4713,7 @@
           <a:p>
             <a:fld id="{0C6724CE-2468-448B-87C1-A92EDD78369B}" type="datetime1">
               <a:rPr lang="en-US" smtClean="0"/>
-              <a:t>8/7/2020</a:t>
+              <a:t>8/28/2020</a:t>
             </a:fld>
             <a:endParaRPr lang="en-US"/>
           </a:p>
@@ -4573,7 +4974,7 @@
           <a:p>
             <a:fld id="{4CD11720-76E7-46E6-B0AA-057287C42052}" type="datetime1">
               <a:rPr lang="en-US" smtClean="0"/>
-              <a:t>8/7/2020</a:t>
+              <a:t>8/28/2020</a:t>
             </a:fld>
             <a:endParaRPr lang="en-US" dirty="0"/>
           </a:p>
@@ -7555,7 +7956,7 @@
                             </p:stCondLst>
                             <p:childTnLst>
                               <p:par>
-                                <p:cTn id="5" presetID="10" presetClass="entr" presetSubtype="0" fill="hold" grpId="0" nodeType="clickEffect">
+                                <p:cTn id="5" presetID="2" presetClass="entr" presetSubtype="4" fill="hold" nodeType="clickEffect">
                                   <p:stCondLst>
                                     <p:cond delay="0"/>
                                   </p:stCondLst>
@@ -7568,11 +7969,7 @@
                                           </p:stCondLst>
                                         </p:cTn>
                                         <p:tgtEl>
-                                          <p:spTgt spid="3">
-                                            <p:txEl>
-                                              <p:pRg st="3" end="3"/>
-                                            </p:txEl>
-                                          </p:spTgt>
+                                          <p:spTgt spid="17"/>
                                         </p:tgtEl>
                                         <p:attrNameLst>
                                           <p:attrName>style.visibility</p:attrName>
@@ -7582,53 +7979,52 @@
                                         <p:strVal val="visible"/>
                                       </p:to>
                                     </p:set>
-                                    <p:animEffect transition="in" filter="fade">
-                                      <p:cBhvr>
-                                        <p:cTn id="7" dur="500"/>
+                                    <p:anim calcmode="lin" valueType="num">
+                                      <p:cBhvr additive="base">
+                                        <p:cTn id="7" dur="500" fill="hold"/>
                                         <p:tgtEl>
-                                          <p:spTgt spid="3">
-                                            <p:txEl>
-                                              <p:pRg st="3" end="3"/>
-                                            </p:txEl>
-                                          </p:spTgt>
-                                        </p:tgtEl>
-                                      </p:cBhvr>
-                                    </p:animEffect>
-                                  </p:childTnLst>
-                                </p:cTn>
-                              </p:par>
-                              <p:par>
-                                <p:cTn id="8" presetID="10" presetClass="entr" presetSubtype="0" fill="hold" nodeType="withEffect">
-                                  <p:stCondLst>
-                                    <p:cond delay="0"/>
-                                  </p:stCondLst>
-                                  <p:childTnLst>
-                                    <p:set>
-                                      <p:cBhvr>
-                                        <p:cTn id="9" dur="1" fill="hold">
-                                          <p:stCondLst>
-                                            <p:cond delay="0"/>
-                                          </p:stCondLst>
-                                        </p:cTn>
-                                        <p:tgtEl>
-                                          <p:spTgt spid="5"/>
+                                          <p:spTgt spid="17"/>
                                         </p:tgtEl>
                                         <p:attrNameLst>
-                                          <p:attrName>style.visibility</p:attrName>
+                                          <p:attrName>ppt_x</p:attrName>
                                         </p:attrNameLst>
                                       </p:cBhvr>
-                                      <p:to>
-                                        <p:strVal val="visible"/>
-                                      </p:to>
-                                    </p:set>
-                                    <p:animEffect transition="in" filter="fade">
-                                      <p:cBhvr>
-                                        <p:cTn id="10" dur="500"/>
+                                      <p:tavLst>
+                                        <p:tav tm="0">
+                                          <p:val>
+                                            <p:strVal val="#ppt_x"/>
+                                          </p:val>
+                                        </p:tav>
+                                        <p:tav tm="100000">
+                                          <p:val>
+                                            <p:strVal val="#ppt_x"/>
+                                          </p:val>
+                                        </p:tav>
+                                      </p:tavLst>
+                                    </p:anim>
+                                    <p:anim calcmode="lin" valueType="num">
+                                      <p:cBhvr additive="base">
+                                        <p:cTn id="8" dur="500" fill="hold"/>
                                         <p:tgtEl>
-                                          <p:spTgt spid="5"/>
+                                          <p:spTgt spid="17"/>
                                         </p:tgtEl>
+                                        <p:attrNameLst>
+                                          <p:attrName>ppt_y</p:attrName>
+                                        </p:attrNameLst>
                                       </p:cBhvr>
-                                    </p:animEffect>
+                                      <p:tavLst>
+                                        <p:tav tm="0">
+                                          <p:val>
+                                            <p:strVal val="1+#ppt_h/2"/>
+                                          </p:val>
+                                        </p:tav>
+                                        <p:tav tm="100000">
+                                          <p:val>
+                                            <p:strVal val="#ppt_y"/>
+                                          </p:val>
+                                        </p:tav>
+                                      </p:tavLst>
+                                    </p:anim>
                                   </p:childTnLst>
                                 </p:cTn>
                               </p:par>
@@ -7639,26 +8035,26 @@
                     </p:cTn>
                   </p:par>
                   <p:par>
-                    <p:cTn id="11" fill="hold">
+                    <p:cTn id="9" fill="hold">
                       <p:stCondLst>
                         <p:cond delay="indefinite"/>
                       </p:stCondLst>
                       <p:childTnLst>
                         <p:par>
-                          <p:cTn id="12" fill="hold">
+                          <p:cTn id="10" fill="hold">
                             <p:stCondLst>
                               <p:cond delay="0"/>
                             </p:stCondLst>
                             <p:childTnLst>
                               <p:par>
-                                <p:cTn id="13" presetID="10" presetClass="entr" presetSubtype="0" fill="hold" grpId="0" nodeType="clickEffect">
+                                <p:cTn id="11" presetID="10" presetClass="entr" presetSubtype="0" fill="hold" grpId="0" nodeType="clickEffect">
                                   <p:stCondLst>
                                     <p:cond delay="0"/>
                                   </p:stCondLst>
                                   <p:childTnLst>
                                     <p:set>
                                       <p:cBhvr>
-                                        <p:cTn id="14" dur="1" fill="hold">
+                                        <p:cTn id="12" dur="1" fill="hold">
                                           <p:stCondLst>
                                             <p:cond delay="0"/>
                                           </p:stCondLst>
@@ -7680,7 +8076,7 @@
                                     </p:set>
                                     <p:animEffect transition="in" filter="fade">
                                       <p:cBhvr>
-                                        <p:cTn id="15" dur="500"/>
+                                        <p:cTn id="13" dur="500"/>
                                         <p:tgtEl>
                                           <p:spTgt spid="3">
                                             <p:txEl>
@@ -8924,8 +9320,8 @@
             </p:sp>
           </mc:Fallback>
         </mc:AlternateContent>
-        <mc:AlternateContent xmlns:mc="http://schemas.openxmlformats.org/markup-compatibility/2006" xmlns:a14="http://schemas.microsoft.com/office/drawing/2010/main">
-          <mc:Choice Requires="a14">
+        <mc:AlternateContent xmlns:mc="http://schemas.openxmlformats.org/markup-compatibility/2006">
+          <mc:Choice xmlns:a14="http://schemas.microsoft.com/office/drawing/2010/main" Requires="a14">
             <p:sp>
               <p:nvSpPr>
                 <p:cNvPr id="37" name="TextBox 36">
@@ -8941,7 +9337,7 @@
               <p:spPr>
                 <a:xfrm>
                   <a:off x="10618933" y="2422099"/>
-                  <a:ext cx="1090298" cy="523220"/>
+                  <a:ext cx="1091902" cy="523220"/>
                 </a:xfrm>
                 <a:prstGeom prst="rect">
                   <a:avLst/>
@@ -8986,7 +9382,7 @@
                             </a:solidFill>
                             <a:latin typeface="Cambria Math" panose="02040503050406030204" pitchFamily="18" charset="0"/>
                           </a:rPr>
-                          <m:t>&gt;0</m:t>
+                          <m:t>&gt;1</m:t>
                         </m:r>
                       </m:oMath>
                     </m:oMathPara>
@@ -8996,7 +9392,7 @@
               </p:txBody>
             </p:sp>
           </mc:Choice>
-          <mc:Fallback xmlns="">
+          <mc:Fallback>
             <p:sp>
               <p:nvSpPr>
                 <p:cNvPr id="37" name="TextBox 36">
@@ -9014,7 +9410,7 @@
               <p:spPr>
                 <a:xfrm>
                   <a:off x="10618933" y="2422099"/>
-                  <a:ext cx="1090298" cy="523220"/>
+                  <a:ext cx="1091902" cy="523220"/>
                 </a:xfrm>
                 <a:prstGeom prst="rect">
                   <a:avLst/>
@@ -10963,6 +11359,49 @@
                                   </p:childTnLst>
                                 </p:cTn>
                               </p:par>
+                              <p:par>
+                                <p:cTn id="31" presetID="10" presetClass="entr" presetSubtype="0" fill="hold" grpId="0" nodeType="withEffect">
+                                  <p:stCondLst>
+                                    <p:cond delay="0"/>
+                                  </p:stCondLst>
+                                  <p:childTnLst>
+                                    <p:set>
+                                      <p:cBhvr>
+                                        <p:cTn id="32" dur="1" fill="hold">
+                                          <p:stCondLst>
+                                            <p:cond delay="0"/>
+                                          </p:stCondLst>
+                                        </p:cTn>
+                                        <p:tgtEl>
+                                          <p:spTgt spid="3">
+                                            <p:txEl>
+                                              <p:pRg st="2" end="2"/>
+                                            </p:txEl>
+                                          </p:spTgt>
+                                        </p:tgtEl>
+                                        <p:attrNameLst>
+                                          <p:attrName>style.visibility</p:attrName>
+                                        </p:attrNameLst>
+                                      </p:cBhvr>
+                                      <p:to>
+                                        <p:strVal val="visible"/>
+                                      </p:to>
+                                    </p:set>
+                                    <p:animEffect transition="in" filter="fade">
+                                      <p:cBhvr>
+                                        <p:cTn id="33" dur="500"/>
+                                        <p:tgtEl>
+                                          <p:spTgt spid="3">
+                                            <p:txEl>
+                                              <p:pRg st="2" end="2"/>
+                                            </p:txEl>
+                                          </p:spTgt>
+                                        </p:tgtEl>
+                                      </p:cBhvr>
+                                    </p:animEffect>
+                                  </p:childTnLst>
+                                </p:cTn>
+                              </p:par>
                             </p:childTnLst>
                           </p:cTn>
                         </p:par>
@@ -10990,6 +11429,9 @@
         </p:cTn>
       </p:par>
     </p:tnLst>
+    <p:bldLst>
+      <p:bldP spid="3" grpId="0" uiExpand="1" build="p"/>
+    </p:bldLst>
   </p:timing>
 </p:sld>
 </file>
@@ -11263,58 +11705,6 @@
           </p:sp>
         </mc:Fallback>
       </mc:AlternateContent>
-      <p:sp>
-        <p:nvSpPr>
-          <p:cNvPr id="5" name="Oval 4">
-            <a:extLst>
-              <a:ext uri="{FF2B5EF4-FFF2-40B4-BE49-F238E27FC236}">
-                <a16:creationId xmlns:a16="http://schemas.microsoft.com/office/drawing/2014/main" id="{D6DCBDBE-C25E-4407-B974-E11741175807}"/>
-              </a:ext>
-            </a:extLst>
-          </p:cNvPr>
-          <p:cNvSpPr/>
-          <p:nvPr/>
-        </p:nvSpPr>
-        <p:spPr>
-          <a:xfrm>
-            <a:off x="7927521" y="2824843"/>
-            <a:ext cx="2416629" cy="2416629"/>
-          </a:xfrm>
-          <a:prstGeom prst="ellipse">
-            <a:avLst/>
-          </a:prstGeom>
-          <a:noFill/>
-          <a:ln w="50800" cmpd="sng">
-            <a:solidFill>
-              <a:srgbClr val="FF0000"/>
-            </a:solidFill>
-          </a:ln>
-        </p:spPr>
-        <p:style>
-          <a:lnRef idx="2">
-            <a:schemeClr val="accent1">
-              <a:shade val="50000"/>
-            </a:schemeClr>
-          </a:lnRef>
-          <a:fillRef idx="1">
-            <a:schemeClr val="accent1"/>
-          </a:fillRef>
-          <a:effectRef idx="0">
-            <a:schemeClr val="accent1"/>
-          </a:effectRef>
-          <a:fontRef idx="minor">
-            <a:schemeClr val="lt1"/>
-          </a:fontRef>
-        </p:style>
-        <p:txBody>
-          <a:bodyPr rtlCol="0" anchor="ctr"/>
-          <a:lstStyle/>
-          <a:p>
-            <a:pPr algn="ctr"/>
-            <a:endParaRPr lang="en-GB" dirty="0"/>
-          </a:p>
-        </p:txBody>
-      </p:sp>
       <p:cxnSp>
         <p:nvCxnSpPr>
           <p:cNvPr id="7" name="Straight Arrow Connector 6">
@@ -12120,6 +12510,58 @@
           </p:style>
         </p:cxnSp>
       </p:grpSp>
+      <p:sp>
+        <p:nvSpPr>
+          <p:cNvPr id="5" name="Oval 4">
+            <a:extLst>
+              <a:ext uri="{FF2B5EF4-FFF2-40B4-BE49-F238E27FC236}">
+                <a16:creationId xmlns:a16="http://schemas.microsoft.com/office/drawing/2014/main" id="{D6DCBDBE-C25E-4407-B974-E11741175807}"/>
+              </a:ext>
+            </a:extLst>
+          </p:cNvPr>
+          <p:cNvSpPr/>
+          <p:nvPr/>
+        </p:nvSpPr>
+        <p:spPr>
+          <a:xfrm>
+            <a:off x="7927521" y="2824843"/>
+            <a:ext cx="2416629" cy="2416629"/>
+          </a:xfrm>
+          <a:prstGeom prst="ellipse">
+            <a:avLst/>
+          </a:prstGeom>
+          <a:noFill/>
+          <a:ln w="50800" cmpd="sng">
+            <a:solidFill>
+              <a:srgbClr val="FF0000"/>
+            </a:solidFill>
+          </a:ln>
+        </p:spPr>
+        <p:style>
+          <a:lnRef idx="2">
+            <a:schemeClr val="accent1">
+              <a:shade val="50000"/>
+            </a:schemeClr>
+          </a:lnRef>
+          <a:fillRef idx="1">
+            <a:schemeClr val="accent1"/>
+          </a:fillRef>
+          <a:effectRef idx="0">
+            <a:schemeClr val="accent1"/>
+          </a:effectRef>
+          <a:fontRef idx="minor">
+            <a:schemeClr val="lt1"/>
+          </a:fontRef>
+        </p:style>
+        <p:txBody>
+          <a:bodyPr rtlCol="0" anchor="ctr"/>
+          <a:lstStyle/>
+          <a:p>
+            <a:pPr algn="ctr"/>
+            <a:endParaRPr lang="en-GB" dirty="0"/>
+          </a:p>
+        </p:txBody>
+      </p:sp>
     </p:spTree>
     <p:extLst>
       <p:ext uri="{BB962C8B-B14F-4D97-AF65-F5344CB8AC3E}">
@@ -12978,7 +13420,7 @@
       </mc:AlternateContent>
       <p:pic>
         <p:nvPicPr>
-          <p:cNvPr id="16" name="Picture 15">
+          <p:cNvPr id="16" name="Picture 15" descr="A diagram of the parametric definition of a butterfly. " title="Parametric definition of a butterfly">
             <a:extLst>
               <a:ext uri="{FF2B5EF4-FFF2-40B4-BE49-F238E27FC236}">
                 <a16:creationId xmlns:a16="http://schemas.microsoft.com/office/drawing/2014/main" id="{F93B71EB-9AB8-4F5A-867A-4916A1C5B580}"/>
@@ -13083,7 +13525,7 @@
       </p:sp>
       <p:pic>
         <p:nvPicPr>
-          <p:cNvPr id="9" name="Picture 8" descr="A close up of a logo&#10;&#10;Description automatically generated">
+          <p:cNvPr id="9" name="Picture 8" descr="A diagram showing the " title="Bézier Curve">
             <a:extLst>
               <a:ext uri="{FF2B5EF4-FFF2-40B4-BE49-F238E27FC236}">
                 <a16:creationId xmlns:a16="http://schemas.microsoft.com/office/drawing/2014/main" id="{8EFFD039-7619-44CD-A121-BF9762003B3C}"/>
@@ -13815,8 +14257,8 @@
           </a:p>
         </p:txBody>
       </p:sp>
-      <mc:AlternateContent xmlns:mc="http://schemas.openxmlformats.org/markup-compatibility/2006">
-        <mc:Choice xmlns:a14="http://schemas.microsoft.com/office/drawing/2010/main" Requires="a14">
+      <mc:AlternateContent xmlns:mc="http://schemas.openxmlformats.org/markup-compatibility/2006" xmlns:a14="http://schemas.microsoft.com/office/drawing/2010/main">
+        <mc:Choice Requires="a14">
           <p:sp>
             <p:nvSpPr>
               <p:cNvPr id="3" name="Content Placeholder 2">
@@ -14028,7 +14470,7 @@
             </p:txBody>
           </p:sp>
         </mc:Choice>
-        <mc:Fallback>
+        <mc:Fallback xmlns="">
           <p:sp>
             <p:nvSpPr>
               <p:cNvPr id="3" name="Content Placeholder 2">
@@ -14496,8 +14938,8 @@
             </p:style>
           </p:cxnSp>
         </p:grpSp>
-        <mc:AlternateContent xmlns:mc="http://schemas.openxmlformats.org/markup-compatibility/2006">
-          <mc:Choice xmlns:a14="http://schemas.microsoft.com/office/drawing/2010/main" Requires="a14">
+        <mc:AlternateContent xmlns:mc="http://schemas.openxmlformats.org/markup-compatibility/2006" xmlns:a14="http://schemas.microsoft.com/office/drawing/2010/main">
+          <mc:Choice Requires="a14">
             <p:sp>
               <p:nvSpPr>
                 <p:cNvPr id="16" name="Content Placeholder 2">
@@ -14793,7 +15235,7 @@
               </p:txBody>
             </p:sp>
           </mc:Choice>
-          <mc:Fallback>
+          <mc:Fallback xmlns="">
             <p:sp>
               <p:nvSpPr>
                 <p:cNvPr id="16" name="Content Placeholder 2">
@@ -15212,7 +15654,7 @@
         </p:nvSpPr>
         <p:spPr>
           <a:xfrm>
-            <a:off x="3024772" y="2222173"/>
+            <a:off x="3024772" y="2196047"/>
             <a:ext cx="4992305" cy="523220"/>
           </a:xfrm>
           <a:prstGeom prst="rect">
@@ -17313,124 +17755,6 @@
       </p:grpSpPr>
       <p:sp>
         <p:nvSpPr>
-          <p:cNvPr id="37" name="Chord 36">
-            <a:extLst>
-              <a:ext uri="{FF2B5EF4-FFF2-40B4-BE49-F238E27FC236}">
-                <a16:creationId xmlns:a16="http://schemas.microsoft.com/office/drawing/2014/main" id="{A796E0B0-46D8-45C2-9265-CBC11AAD7030}"/>
-              </a:ext>
-            </a:extLst>
-          </p:cNvPr>
-          <p:cNvSpPr/>
-          <p:nvPr/>
-        </p:nvSpPr>
-        <p:spPr>
-          <a:xfrm flipV="1">
-            <a:off x="7943390" y="2843943"/>
-            <a:ext cx="2391410" cy="2433875"/>
-          </a:xfrm>
-          <a:prstGeom prst="chord">
-            <a:avLst>
-              <a:gd name="adj1" fmla="val 21035"/>
-              <a:gd name="adj2" fmla="val 10733494"/>
-            </a:avLst>
-          </a:prstGeom>
-          <a:solidFill>
-            <a:schemeClr val="accent6">
-              <a:lumMod val="20000"/>
-              <a:lumOff val="80000"/>
-              <a:alpha val="30000"/>
-            </a:schemeClr>
-          </a:solidFill>
-          <a:ln>
-            <a:noFill/>
-          </a:ln>
-        </p:spPr>
-        <p:style>
-          <a:lnRef idx="2">
-            <a:schemeClr val="accent1">
-              <a:shade val="50000"/>
-            </a:schemeClr>
-          </a:lnRef>
-          <a:fillRef idx="1">
-            <a:schemeClr val="accent1"/>
-          </a:fillRef>
-          <a:effectRef idx="0">
-            <a:schemeClr val="accent1"/>
-          </a:effectRef>
-          <a:fontRef idx="minor">
-            <a:schemeClr val="lt1"/>
-          </a:fontRef>
-        </p:style>
-        <p:txBody>
-          <a:bodyPr rtlCol="0" anchor="ctr"/>
-          <a:lstStyle/>
-          <a:p>
-            <a:pPr algn="ctr"/>
-            <a:endParaRPr lang="en-GB"/>
-          </a:p>
-        </p:txBody>
-      </p:sp>
-      <p:sp>
-        <p:nvSpPr>
-          <p:cNvPr id="36" name="Chord 35">
-            <a:extLst>
-              <a:ext uri="{FF2B5EF4-FFF2-40B4-BE49-F238E27FC236}">
-                <a16:creationId xmlns:a16="http://schemas.microsoft.com/office/drawing/2014/main" id="{57411792-3E87-4385-87B4-0388DBABE98D}"/>
-              </a:ext>
-            </a:extLst>
-          </p:cNvPr>
-          <p:cNvSpPr/>
-          <p:nvPr/>
-        </p:nvSpPr>
-        <p:spPr>
-          <a:xfrm>
-            <a:off x="7929532" y="2803791"/>
-            <a:ext cx="2391410" cy="2416629"/>
-          </a:xfrm>
-          <a:prstGeom prst="chord">
-            <a:avLst>
-              <a:gd name="adj1" fmla="val 100461"/>
-              <a:gd name="adj2" fmla="val 10733494"/>
-            </a:avLst>
-          </a:prstGeom>
-          <a:solidFill>
-            <a:schemeClr val="accent6">
-              <a:lumMod val="20000"/>
-              <a:lumOff val="80000"/>
-              <a:alpha val="30000"/>
-            </a:schemeClr>
-          </a:solidFill>
-          <a:ln>
-            <a:noFill/>
-          </a:ln>
-        </p:spPr>
-        <p:style>
-          <a:lnRef idx="2">
-            <a:schemeClr val="accent1">
-              <a:shade val="50000"/>
-            </a:schemeClr>
-          </a:lnRef>
-          <a:fillRef idx="1">
-            <a:schemeClr val="accent1"/>
-          </a:fillRef>
-          <a:effectRef idx="0">
-            <a:schemeClr val="accent1"/>
-          </a:effectRef>
-          <a:fontRef idx="minor">
-            <a:schemeClr val="lt1"/>
-          </a:fontRef>
-        </p:style>
-        <p:txBody>
-          <a:bodyPr rtlCol="0" anchor="ctr"/>
-          <a:lstStyle/>
-          <a:p>
-            <a:pPr algn="ctr"/>
-            <a:endParaRPr lang="en-GB"/>
-          </a:p>
-        </p:txBody>
-      </p:sp>
-      <p:sp>
-        <p:nvSpPr>
           <p:cNvPr id="2" name="Title 1">
             <a:extLst>
               <a:ext uri="{FF2B5EF4-FFF2-40B4-BE49-F238E27FC236}">
@@ -17477,58 +17801,6 @@
             <a:chExt cx="3806649" cy="3791466"/>
           </a:xfrm>
         </p:grpSpPr>
-        <p:sp>
-          <p:nvSpPr>
-            <p:cNvPr id="5" name="Oval 4">
-              <a:extLst>
-                <a:ext uri="{FF2B5EF4-FFF2-40B4-BE49-F238E27FC236}">
-                  <a16:creationId xmlns:a16="http://schemas.microsoft.com/office/drawing/2014/main" id="{D6DCBDBE-C25E-4407-B974-E11741175807}"/>
-                </a:ext>
-              </a:extLst>
-            </p:cNvPr>
-            <p:cNvSpPr/>
-            <p:nvPr/>
-          </p:nvSpPr>
-          <p:spPr>
-            <a:xfrm>
-              <a:off x="7927521" y="2824843"/>
-              <a:ext cx="2416629" cy="2416629"/>
-            </a:xfrm>
-            <a:prstGeom prst="ellipse">
-              <a:avLst/>
-            </a:prstGeom>
-            <a:noFill/>
-            <a:ln w="50800" cmpd="sng">
-              <a:solidFill>
-                <a:srgbClr val="FF0000"/>
-              </a:solidFill>
-            </a:ln>
-          </p:spPr>
-          <p:style>
-            <a:lnRef idx="2">
-              <a:schemeClr val="accent1">
-                <a:shade val="50000"/>
-              </a:schemeClr>
-            </a:lnRef>
-            <a:fillRef idx="1">
-              <a:schemeClr val="accent1"/>
-            </a:fillRef>
-            <a:effectRef idx="0">
-              <a:schemeClr val="accent1"/>
-            </a:effectRef>
-            <a:fontRef idx="minor">
-              <a:schemeClr val="lt1"/>
-            </a:fontRef>
-          </p:style>
-          <p:txBody>
-            <a:bodyPr rtlCol="0" anchor="ctr"/>
-            <a:lstStyle/>
-            <a:p>
-              <a:pPr algn="ctr"/>
-              <a:endParaRPr lang="en-GB" dirty="0"/>
-            </a:p>
-          </p:txBody>
-        </p:sp>
         <p:cxnSp>
           <p:nvCxnSpPr>
             <p:cNvPr id="7" name="Straight Arrow Connector 6">
@@ -18251,6 +18523,58 @@
           </p:sp>
         </mc:Fallback>
       </mc:AlternateContent>
+      <p:sp>
+        <p:nvSpPr>
+          <p:cNvPr id="10" name="Arc 9">
+            <a:extLst>
+              <a:ext uri="{FF2B5EF4-FFF2-40B4-BE49-F238E27FC236}">
+                <a16:creationId xmlns:a16="http://schemas.microsoft.com/office/drawing/2014/main" id="{F05E2794-0A17-4B24-9F55-4C02675FB782}"/>
+              </a:ext>
+            </a:extLst>
+          </p:cNvPr>
+          <p:cNvSpPr/>
+          <p:nvPr/>
+        </p:nvSpPr>
+        <p:spPr>
+          <a:xfrm>
+            <a:off x="7936687" y="2835194"/>
+            <a:ext cx="2407463" cy="2392026"/>
+          </a:xfrm>
+          <a:prstGeom prst="arc">
+            <a:avLst>
+              <a:gd name="adj1" fmla="val 10771407"/>
+              <a:gd name="adj2" fmla="val 20120"/>
+            </a:avLst>
+          </a:prstGeom>
+          <a:ln w="57150">
+            <a:solidFill>
+              <a:srgbClr val="FF0000"/>
+            </a:solidFill>
+          </a:ln>
+        </p:spPr>
+        <p:style>
+          <a:lnRef idx="1">
+            <a:schemeClr val="accent1"/>
+          </a:lnRef>
+          <a:fillRef idx="0">
+            <a:schemeClr val="accent1"/>
+          </a:fillRef>
+          <a:effectRef idx="0">
+            <a:schemeClr val="accent1"/>
+          </a:effectRef>
+          <a:fontRef idx="minor">
+            <a:schemeClr val="tx1"/>
+          </a:fontRef>
+        </p:style>
+        <p:txBody>
+          <a:bodyPr rtlCol="0" anchor="ctr"/>
+          <a:lstStyle/>
+          <a:p>
+            <a:pPr algn="ctr"/>
+            <a:endParaRPr lang="en-GB"/>
+          </a:p>
+        </p:txBody>
+      </p:sp>
       <p:grpSp>
         <p:nvGrpSpPr>
           <p:cNvPr id="30" name="Group 29">
@@ -19011,6 +19335,58 @@
           </p:txBody>
         </p:sp>
       </p:grpSp>
+      <p:sp>
+        <p:nvSpPr>
+          <p:cNvPr id="32" name="Arc 31">
+            <a:extLst>
+              <a:ext uri="{FF2B5EF4-FFF2-40B4-BE49-F238E27FC236}">
+                <a16:creationId xmlns:a16="http://schemas.microsoft.com/office/drawing/2014/main" id="{9678A777-ADE2-418E-8DA4-CB9DCC3DA898}"/>
+              </a:ext>
+            </a:extLst>
+          </p:cNvPr>
+          <p:cNvSpPr/>
+          <p:nvPr/>
+        </p:nvSpPr>
+        <p:spPr>
+          <a:xfrm flipV="1">
+            <a:off x="7935792" y="2835193"/>
+            <a:ext cx="2407463" cy="2388849"/>
+          </a:xfrm>
+          <a:prstGeom prst="arc">
+            <a:avLst>
+              <a:gd name="adj1" fmla="val 10803947"/>
+              <a:gd name="adj2" fmla="val 2511"/>
+            </a:avLst>
+          </a:prstGeom>
+          <a:ln w="57150">
+            <a:solidFill>
+              <a:srgbClr val="FF0000"/>
+            </a:solidFill>
+          </a:ln>
+        </p:spPr>
+        <p:style>
+          <a:lnRef idx="1">
+            <a:schemeClr val="accent1"/>
+          </a:lnRef>
+          <a:fillRef idx="0">
+            <a:schemeClr val="accent1"/>
+          </a:fillRef>
+          <a:effectRef idx="0">
+            <a:schemeClr val="accent1"/>
+          </a:effectRef>
+          <a:fontRef idx="minor">
+            <a:schemeClr val="tx1"/>
+          </a:fontRef>
+        </p:style>
+        <p:txBody>
+          <a:bodyPr rtlCol="0" anchor="ctr"/>
+          <a:lstStyle/>
+          <a:p>
+            <a:pPr algn="ctr"/>
+            <a:endParaRPr lang="en-GB"/>
+          </a:p>
+        </p:txBody>
+      </p:sp>
     </p:spTree>
     <p:extLst>
       <p:ext uri="{BB962C8B-B14F-4D97-AF65-F5344CB8AC3E}">
@@ -19131,6 +19507,76 @@
                                   </p:childTnLst>
                                 </p:cTn>
                               </p:par>
+                              <p:par>
+                                <p:cTn id="11" presetID="10" presetClass="entr" presetSubtype="0" fill="hold" grpId="0" nodeType="withEffect">
+                                  <p:stCondLst>
+                                    <p:cond delay="0"/>
+                                  </p:stCondLst>
+                                  <p:childTnLst>
+                                    <p:set>
+                                      <p:cBhvr>
+                                        <p:cTn id="12" dur="1" fill="hold">
+                                          <p:stCondLst>
+                                            <p:cond delay="0"/>
+                                          </p:stCondLst>
+                                        </p:cTn>
+                                        <p:tgtEl>
+                                          <p:spTgt spid="10"/>
+                                        </p:tgtEl>
+                                        <p:attrNameLst>
+                                          <p:attrName>style.visibility</p:attrName>
+                                        </p:attrNameLst>
+                                      </p:cBhvr>
+                                      <p:to>
+                                        <p:strVal val="visible"/>
+                                      </p:to>
+                                    </p:set>
+                                    <p:animEffect transition="in" filter="fade">
+                                      <p:cBhvr>
+                                        <p:cTn id="13" dur="500"/>
+                                        <p:tgtEl>
+                                          <p:spTgt spid="10"/>
+                                        </p:tgtEl>
+                                      </p:cBhvr>
+                                    </p:animEffect>
+                                  </p:childTnLst>
+                                </p:cTn>
+                              </p:par>
+                              <p:par>
+                                <p:cTn id="14" presetID="10" presetClass="entr" presetSubtype="0" fill="hold" grpId="0" nodeType="withEffect">
+                                  <p:stCondLst>
+                                    <p:cond delay="0"/>
+                                  </p:stCondLst>
+                                  <p:childTnLst>
+                                    <p:set>
+                                      <p:cBhvr>
+                                        <p:cTn id="15" dur="1" fill="hold">
+                                          <p:stCondLst>
+                                            <p:cond delay="0"/>
+                                          </p:stCondLst>
+                                        </p:cTn>
+                                        <p:tgtEl>
+                                          <p:spTgt spid="32"/>
+                                        </p:tgtEl>
+                                        <p:attrNameLst>
+                                          <p:attrName>style.visibility</p:attrName>
+                                        </p:attrNameLst>
+                                      </p:cBhvr>
+                                      <p:to>
+                                        <p:strVal val="visible"/>
+                                      </p:to>
+                                    </p:set>
+                                    <p:animEffect transition="in" filter="fade">
+                                      <p:cBhvr>
+                                        <p:cTn id="16" dur="500"/>
+                                        <p:tgtEl>
+                                          <p:spTgt spid="32"/>
+                                        </p:tgtEl>
+                                      </p:cBhvr>
+                                    </p:animEffect>
+                                  </p:childTnLst>
+                                </p:cTn>
+                              </p:par>
                             </p:childTnLst>
                           </p:cTn>
                         </p:par>
@@ -19138,26 +19584,26 @@
                     </p:cTn>
                   </p:par>
                   <p:par>
-                    <p:cTn id="11" fill="hold">
+                    <p:cTn id="17" fill="hold">
                       <p:stCondLst>
                         <p:cond delay="indefinite"/>
                       </p:stCondLst>
                       <p:childTnLst>
                         <p:par>
-                          <p:cTn id="12" fill="hold">
+                          <p:cTn id="18" fill="hold">
                             <p:stCondLst>
                               <p:cond delay="0"/>
                             </p:stCondLst>
                             <p:childTnLst>
                               <p:par>
-                                <p:cTn id="13" presetID="10" presetClass="entr" presetSubtype="0" fill="hold" grpId="0" nodeType="clickEffect">
+                                <p:cTn id="19" presetID="10" presetClass="entr" presetSubtype="0" fill="hold" grpId="0" nodeType="clickEffect">
                                   <p:stCondLst>
                                     <p:cond delay="0"/>
                                   </p:stCondLst>
                                   <p:childTnLst>
                                     <p:set>
                                       <p:cBhvr>
-                                        <p:cTn id="14" dur="1" fill="hold">
+                                        <p:cTn id="20" dur="1" fill="hold">
                                           <p:stCondLst>
                                             <p:cond delay="0"/>
                                           </p:stCondLst>
@@ -19179,7 +19625,7 @@
                                     </p:set>
                                     <p:animEffect transition="in" filter="fade">
                                       <p:cBhvr>
-                                        <p:cTn id="15" dur="500"/>
+                                        <p:cTn id="21" dur="500"/>
                                         <p:tgtEl>
                                           <p:spTgt spid="6">
                                             <p:txEl>
@@ -19193,14 +19639,14 @@
                                 </p:cTn>
                               </p:par>
                               <p:par>
-                                <p:cTn id="16" presetID="10" presetClass="entr" presetSubtype="0" fill="hold" nodeType="withEffect">
+                                <p:cTn id="22" presetID="10" presetClass="entr" presetSubtype="0" fill="hold" nodeType="withEffect">
                                   <p:stCondLst>
                                     <p:cond delay="0"/>
                                   </p:stCondLst>
                                   <p:childTnLst>
                                     <p:set>
                                       <p:cBhvr>
-                                        <p:cTn id="17" dur="1" fill="hold">
+                                        <p:cTn id="23" dur="1" fill="hold">
                                           <p:stCondLst>
                                             <p:cond delay="0"/>
                                           </p:stCondLst>
@@ -19218,7 +19664,7 @@
                                     </p:set>
                                     <p:animEffect transition="in" filter="fade">
                                       <p:cBhvr>
-                                        <p:cTn id="18" dur="500"/>
+                                        <p:cTn id="24" dur="500"/>
                                         <p:tgtEl>
                                           <p:spTgt spid="30"/>
                                         </p:tgtEl>
@@ -19234,26 +19680,26 @@
                     </p:cTn>
                   </p:par>
                   <p:par>
-                    <p:cTn id="19" fill="hold">
+                    <p:cTn id="25" fill="hold">
                       <p:stCondLst>
                         <p:cond delay="indefinite"/>
                       </p:stCondLst>
                       <p:childTnLst>
                         <p:par>
-                          <p:cTn id="20" fill="hold">
+                          <p:cTn id="26" fill="hold">
                             <p:stCondLst>
                               <p:cond delay="0"/>
                             </p:stCondLst>
                             <p:childTnLst>
                               <p:par>
-                                <p:cTn id="21" presetID="10" presetClass="entr" presetSubtype="0" fill="hold" grpId="0" nodeType="clickEffect">
+                                <p:cTn id="27" presetID="10" presetClass="entr" presetSubtype="0" fill="hold" grpId="0" nodeType="clickEffect">
                                   <p:stCondLst>
                                     <p:cond delay="0"/>
                                   </p:stCondLst>
                                   <p:childTnLst>
                                     <p:set>
                                       <p:cBhvr>
-                                        <p:cTn id="22" dur="1" fill="hold">
+                                        <p:cTn id="28" dur="1" fill="hold">
                                           <p:stCondLst>
                                             <p:cond delay="0"/>
                                           </p:stCondLst>
@@ -19275,7 +19721,7 @@
                                     </p:set>
                                     <p:animEffect transition="in" filter="fade">
                                       <p:cBhvr>
-                                        <p:cTn id="23" dur="500"/>
+                                        <p:cTn id="29" dur="500"/>
                                         <p:tgtEl>
                                           <p:spTgt spid="6">
                                             <p:txEl>
@@ -19289,14 +19735,14 @@
                                 </p:cTn>
                               </p:par>
                               <p:par>
-                                <p:cTn id="24" presetID="10" presetClass="exit" presetSubtype="0" fill="hold" nodeType="withEffect">
+                                <p:cTn id="30" presetID="10" presetClass="exit" presetSubtype="0" fill="hold" nodeType="withEffect">
                                   <p:stCondLst>
                                     <p:cond delay="0"/>
                                   </p:stCondLst>
                                   <p:childTnLst>
                                     <p:animEffect transition="out" filter="fade">
                                       <p:cBhvr>
-                                        <p:cTn id="25" dur="500"/>
+                                        <p:cTn id="31" dur="500"/>
                                         <p:tgtEl>
                                           <p:spTgt spid="30"/>
                                         </p:tgtEl>
@@ -19304,7 +19750,7 @@
                                     </p:animEffect>
                                     <p:set>
                                       <p:cBhvr>
-                                        <p:cTn id="26" dur="1" fill="hold">
+                                        <p:cTn id="32" dur="1" fill="hold">
                                           <p:stCondLst>
                                             <p:cond delay="499"/>
                                           </p:stCondLst>
@@ -19326,79 +19772,79 @@
                             </p:childTnLst>
                           </p:cTn>
                         </p:par>
+                      </p:childTnLst>
+                    </p:cTn>
+                  </p:par>
+                  <p:par>
+                    <p:cTn id="33" fill="hold">
+                      <p:stCondLst>
+                        <p:cond delay="indefinite"/>
+                      </p:stCondLst>
+                      <p:childTnLst>
                         <p:par>
-                          <p:cTn id="27" fill="hold">
+                          <p:cTn id="34" fill="hold">
                             <p:stCondLst>
-                              <p:cond delay="500"/>
+                              <p:cond delay="0"/>
                             </p:stCondLst>
                             <p:childTnLst>
                               <p:par>
-                                <p:cTn id="28" presetID="10" presetClass="entr" presetSubtype="0" fill="hold" grpId="0" nodeType="afterEffect">
+                                <p:cTn id="35" presetID="10" presetClass="exit" presetSubtype="0" fill="hold" grpId="1" nodeType="clickEffect">
                                   <p:stCondLst>
                                     <p:cond delay="0"/>
                                   </p:stCondLst>
                                   <p:childTnLst>
+                                    <p:animEffect transition="out" filter="fade">
+                                      <p:cBhvr>
+                                        <p:cTn id="36" dur="500"/>
+                                        <p:tgtEl>
+                                          <p:spTgt spid="32"/>
+                                        </p:tgtEl>
+                                      </p:cBhvr>
+                                    </p:animEffect>
                                     <p:set>
                                       <p:cBhvr>
-                                        <p:cTn id="29" dur="1" fill="hold">
+                                        <p:cTn id="37" dur="1" fill="hold">
                                           <p:stCondLst>
-                                            <p:cond delay="0"/>
+                                            <p:cond delay="499"/>
                                           </p:stCondLst>
                                         </p:cTn>
                                         <p:tgtEl>
-                                          <p:spTgt spid="37"/>
+                                          <p:spTgt spid="32"/>
                                         </p:tgtEl>
                                         <p:attrNameLst>
                                           <p:attrName>style.visibility</p:attrName>
                                         </p:attrNameLst>
                                       </p:cBhvr>
                                       <p:to>
-                                        <p:strVal val="visible"/>
+                                        <p:strVal val="hidden"/>
                                       </p:to>
                                     </p:set>
-                                    <p:animEffect transition="in" filter="fade">
-                                      <p:cBhvr>
-                                        <p:cTn id="30" dur="500"/>
-                                        <p:tgtEl>
-                                          <p:spTgt spid="37"/>
-                                        </p:tgtEl>
-                                      </p:cBhvr>
-                                    </p:animEffect>
                                   </p:childTnLst>
                                 </p:cTn>
                               </p:par>
-                            </p:childTnLst>
-                          </p:cTn>
-                        </p:par>
-                        <p:par>
-                          <p:cTn id="31" fill="hold">
-                            <p:stCondLst>
-                              <p:cond delay="1000"/>
-                            </p:stCondLst>
-                            <p:childTnLst>
                               <p:par>
-                                <p:cTn id="32" presetID="10" presetClass="exit" presetSubtype="0" fill="hold" grpId="1" nodeType="afterEffect">
+                                <p:cTn id="38" presetID="10" presetClass="exit" presetSubtype="0" fill="hold" grpId="1" nodeType="withEffect">
                                   <p:stCondLst>
                                     <p:cond delay="0"/>
                                   </p:stCondLst>
                                   <p:childTnLst>
                                     <p:animEffect transition="out" filter="fade">
                                       <p:cBhvr>
-                                        <p:cTn id="33" dur="500"/>
+                                        <p:cTn id="39" dur="500"/>
                                         <p:tgtEl>
-                                          <p:spTgt spid="37"/>
+                                          <p:spTgt spid="10"/>
                                         </p:tgtEl>
                                       </p:cBhvr>
                                     </p:animEffect>
                                     <p:set>
                                       <p:cBhvr>
-                                        <p:cTn id="34" dur="1" fill="hold">
+                                        <p:cTn id="40" dur="1" fill="hold">
                                           <p:stCondLst>
                                             <p:cond delay="499"/>
                                           </p:stCondLst>
                                         </p:cTn>
                                         <p:tgtEl>
-                                          <p:spTgt spid="37"/>
+                                          <p:spTgt spid="10"/>
                                         </p:tgtEl>
                                         <p:attrNameLst>
                                           <p:attrName>style.visibility</p:attrName>
@@ -19415,26 +19861,26 @@
                           </p:cTn>
                         </p:par>
                         <p:par>
-                          <p:cTn id="35" fill="hold">
+                          <p:cTn id="41" fill="hold">
                             <p:stCondLst>
-                              <p:cond delay="1500"/>
+                              <p:cond delay="500"/>
                             </p:stCondLst>
                             <p:childTnLst>
                               <p:par>
-                                <p:cTn id="36" presetID="10" presetClass="entr" presetSubtype="0" fill="hold" grpId="0" nodeType="afterEffect">
+                                <p:cTn id="42" presetID="22" presetClass="entr" presetSubtype="2" fill="hold" grpId="2" nodeType="afterEffect">
                                   <p:stCondLst>
                                     <p:cond delay="0"/>
                                   </p:stCondLst>
                                   <p:childTnLst>
                                     <p:set>
                                       <p:cBhvr>
-                                        <p:cTn id="37" dur="1" fill="hold">
+                                        <p:cTn id="43" dur="1" fill="hold">
                                           <p:stCondLst>
                                             <p:cond delay="0"/>
                                           </p:stCondLst>
                                         </p:cTn>
                                         <p:tgtEl>
-                                          <p:spTgt spid="36"/>
+                                          <p:spTgt spid="10"/>
                                         </p:tgtEl>
                                         <p:attrNameLst>
                                           <p:attrName>style.visibility</p:attrName>
@@ -19444,11 +19890,11 @@
                                         <p:strVal val="visible"/>
                                       </p:to>
                                     </p:set>
-                                    <p:animEffect transition="in" filter="fade">
+                                    <p:animEffect transition="in" filter="wipe(right)">
                                       <p:cBhvr>
-                                        <p:cTn id="38" dur="500"/>
+                                        <p:cTn id="44" dur="500"/>
                                         <p:tgtEl>
-                                          <p:spTgt spid="36"/>
+                                          <p:spTgt spid="10"/>
                                         </p:tgtEl>
                                       </p:cBhvr>
                                     </p:animEffect>
@@ -19459,34 +19905,34 @@
                           </p:cTn>
                         </p:par>
                         <p:par>
-                          <p:cTn id="39" fill="hold">
+                          <p:cTn id="45" fill="hold">
                             <p:stCondLst>
-                              <p:cond delay="2000"/>
+                              <p:cond delay="1000"/>
                             </p:stCondLst>
                             <p:childTnLst>
                               <p:par>
-                                <p:cTn id="40" presetID="10" presetClass="exit" presetSubtype="0" fill="hold" grpId="1" nodeType="afterEffect">
+                                <p:cTn id="46" presetID="10" presetClass="exit" presetSubtype="0" fill="hold" grpId="3" nodeType="afterEffect">
                                   <p:stCondLst>
                                     <p:cond delay="0"/>
                                   </p:stCondLst>
                                   <p:childTnLst>
                                     <p:animEffect transition="out" filter="fade">
                                       <p:cBhvr>
-                                        <p:cTn id="41" dur="500"/>
+                                        <p:cTn id="47" dur="500"/>
                                         <p:tgtEl>
-                                          <p:spTgt spid="36"/>
+                                          <p:spTgt spid="10"/>
                                         </p:tgtEl>
                                       </p:cBhvr>
                                     </p:animEffect>
                                     <p:set>
                                       <p:cBhvr>
-                                        <p:cTn id="42" dur="1" fill="hold">
+                                        <p:cTn id="48" dur="1" fill="hold">
                                           <p:stCondLst>
                                             <p:cond delay="499"/>
                                           </p:stCondLst>
                                         </p:cTn>
                                         <p:tgtEl>
-                                          <p:spTgt spid="36"/>
+                                          <p:spTgt spid="10"/>
                                         </p:tgtEl>
                                         <p:attrNameLst>
                                           <p:attrName>style.visibility</p:attrName>
@@ -19502,30 +19948,74 @@
                             </p:childTnLst>
                           </p:cTn>
                         </p:par>
-                      </p:childTnLst>
-                    </p:cTn>
-                  </p:par>
-                  <p:par>
-                    <p:cTn id="43" fill="hold">
-                      <p:stCondLst>
-                        <p:cond delay="indefinite"/>
-                      </p:stCondLst>
-                      <p:childTnLst>
                         <p:par>
-                          <p:cTn id="44" fill="hold">
+                          <p:cTn id="49" fill="hold">
                             <p:stCondLst>
-                              <p:cond delay="0"/>
+                              <p:cond delay="1500"/>
                             </p:stCondLst>
                             <p:childTnLst>
                               <p:par>
-                                <p:cTn id="45" presetID="10" presetClass="entr" presetSubtype="0" fill="hold" grpId="0" nodeType="clickEffect">
+                                <p:cTn id="50" presetID="22" presetClass="entr" presetSubtype="8" fill="hold" grpId="2" nodeType="afterEffect">
                                   <p:stCondLst>
                                     <p:cond delay="0"/>
                                   </p:stCondLst>
                                   <p:childTnLst>
                                     <p:set>
                                       <p:cBhvr>
-                                        <p:cTn id="46" dur="1" fill="hold">
+                                        <p:cTn id="51" dur="1" fill="hold">
+                                          <p:stCondLst>
+                                            <p:cond delay="0"/>
+                                          </p:stCondLst>
+                                        </p:cTn>
+                                        <p:tgtEl>
+                                          <p:spTgt spid="32"/>
+                                        </p:tgtEl>
+                                        <p:attrNameLst>
+                                          <p:attrName>style.visibility</p:attrName>
+                                        </p:attrNameLst>
+                                      </p:cBhvr>
+                                      <p:to>
+                                        <p:strVal val="visible"/>
+                                      </p:to>
+                                    </p:set>
+                                    <p:animEffect transition="in" filter="wipe(left)">
+                                      <p:cBhvr>
+                                        <p:cTn id="52" dur="500"/>
+                                        <p:tgtEl>
+                                          <p:spTgt spid="32"/>
+                                        </p:tgtEl>
+                                      </p:cBhvr>
+                                    </p:animEffect>
+                                  </p:childTnLst>
+                                </p:cTn>
+                              </p:par>
+                            </p:childTnLst>
+                          </p:cTn>
+                        </p:par>
+                      </p:childTnLst>
+                    </p:cTn>
+                  </p:par>
+                  <p:par>
+                    <p:cTn id="53" fill="hold">
+                      <p:stCondLst>
+                        <p:cond delay="indefinite"/>
+                      </p:stCondLst>
+                      <p:childTnLst>
+                        <p:par>
+                          <p:cTn id="54" fill="hold">
+                            <p:stCondLst>
+                              <p:cond delay="0"/>
+                            </p:stCondLst>
+                            <p:childTnLst>
+                              <p:par>
+                                <p:cTn id="55" presetID="10" presetClass="entr" presetSubtype="0" fill="hold" grpId="0" nodeType="clickEffect">
+                                  <p:stCondLst>
+                                    <p:cond delay="0"/>
+                                  </p:stCondLst>
+                                  <p:childTnLst>
+                                    <p:set>
+                                      <p:cBhvr>
+                                        <p:cTn id="56" dur="1" fill="hold">
                                           <p:stCondLst>
                                             <p:cond delay="0"/>
                                           </p:stCondLst>
@@ -19547,13 +20037,48 @@
                                     </p:set>
                                     <p:animEffect transition="in" filter="fade">
                                       <p:cBhvr>
-                                        <p:cTn id="47" dur="500"/>
+                                        <p:cTn id="57" dur="500"/>
                                         <p:tgtEl>
                                           <p:spTgt spid="6">
                                             <p:txEl>
                                               <p:pRg st="3" end="3"/>
                                             </p:txEl>
                                           </p:spTgt>
+                                        </p:tgtEl>
+                                      </p:cBhvr>
+                                    </p:animEffect>
+                                  </p:childTnLst>
+                                </p:cTn>
+                              </p:par>
+                              <p:par>
+                                <p:cTn id="58" presetID="6" presetClass="entr" presetSubtype="16" fill="hold" grpId="4" nodeType="withEffect">
+                                  <p:stCondLst>
+                                    <p:cond delay="0"/>
+                                  </p:stCondLst>
+                                  <p:childTnLst>
+                                    <p:set>
+                                      <p:cBhvr>
+                                        <p:cTn id="59" dur="1" fill="hold">
+                                          <p:stCondLst>
+                                            <p:cond delay="0"/>
+                                          </p:stCondLst>
+                                        </p:cTn>
+                                        <p:tgtEl>
+                                          <p:spTgt spid="10"/>
+                                        </p:tgtEl>
+                                        <p:attrNameLst>
+                                          <p:attrName>style.visibility</p:attrName>
+                                        </p:attrNameLst>
+                                      </p:cBhvr>
+                                      <p:to>
+                                        <p:strVal val="visible"/>
+                                      </p:to>
+                                    </p:set>
+                                    <p:animEffect transition="in" filter="circle(in)">
+                                      <p:cBhvr>
+                                        <p:cTn id="60" dur="1000"/>
+                                        <p:tgtEl>
+                                          <p:spTgt spid="10"/>
                                         </p:tgtEl>
                                       </p:cBhvr>
                                     </p:animEffect>
@@ -19588,11 +20113,15 @@
       </p:par>
     </p:tnLst>
     <p:bldLst>
-      <p:bldP spid="37" grpId="0" animBg="1"/>
-      <p:bldP spid="37" grpId="1" animBg="1"/>
-      <p:bldP spid="36" grpId="0" animBg="1"/>
-      <p:bldP spid="36" grpId="1" animBg="1"/>
       <p:bldP spid="6" grpId="0" uiExpand="1" build="p"/>
+      <p:bldP spid="10" grpId="0" animBg="1"/>
+      <p:bldP spid="10" grpId="1" animBg="1"/>
+      <p:bldP spid="10" grpId="2" animBg="1"/>
+      <p:bldP spid="10" grpId="3" animBg="1"/>
+      <p:bldP spid="10" grpId="4" animBg="1"/>
+      <p:bldP spid="32" grpId="0" animBg="1"/>
+      <p:bldP spid="32" grpId="1" animBg="1"/>
+      <p:bldP spid="32" grpId="2" animBg="1"/>
     </p:bldLst>
   </p:timing>
 </p:sld>

--- a/COMP270/02/2020-21-COMP270-02-lecture-materials-4.pptx
+++ b/COMP270/02/2020-21-COMP270-02-lecture-materials-4.pptx
@@ -249,7 +249,7 @@
           <a:p>
             <a:fld id="{8906F081-8781-4431-8FD4-2CF608CD7C47}" type="datetimeFigureOut">
               <a:rPr lang="en-US" smtClean="0"/>
-              <a:t>8/28/2020</a:t>
+              <a:t>8/29/2020</a:t>
             </a:fld>
             <a:endParaRPr lang="en-US"/>
           </a:p>
@@ -414,7 +414,7 @@
           <a:p>
             <a:fld id="{F06CA47C-B7FD-4BE9-B0E6-81BA758D95F2}" type="datetimeFigureOut">
               <a:rPr lang="en-US" smtClean="0"/>
-              <a:t>8/28/2020</a:t>
+              <a:t>8/29/2020</a:t>
             </a:fld>
             <a:endParaRPr lang="en-US"/>
           </a:p>
@@ -2361,7 +2361,7 @@
           <a:p>
             <a:fld id="{33024136-D290-48F3-A182-4C46BEB5146B}" type="datetime1">
               <a:rPr lang="en-US" smtClean="0"/>
-              <a:t>8/28/2020</a:t>
+              <a:t>8/29/2020</a:t>
             </a:fld>
             <a:endParaRPr lang="en-US" dirty="0"/>
           </a:p>
@@ -2545,7 +2545,7 @@
           <a:p>
             <a:fld id="{9CC7D44C-38B1-4D0F-9006-D5774F331095}" type="datetime1">
               <a:rPr lang="en-US" smtClean="0"/>
-              <a:t>8/28/2020</a:t>
+              <a:t>8/29/2020</a:t>
             </a:fld>
             <a:endParaRPr lang="en-US"/>
           </a:p>
@@ -2739,7 +2739,7 @@
           <a:p>
             <a:fld id="{F98D518A-FD4F-4358-B95B-9DB5A17160FB}" type="datetime1">
               <a:rPr lang="en-US" smtClean="0"/>
-              <a:t>8/28/2020</a:t>
+              <a:t>8/29/2020</a:t>
             </a:fld>
             <a:endParaRPr lang="en-US"/>
           </a:p>
@@ -2932,7 +2932,7 @@
           <a:p>
             <a:fld id="{5E2A9F4F-03AD-4497-A65D-076601BD41D2}" type="datetime1">
               <a:rPr lang="en-US" smtClean="0"/>
-              <a:t>8/28/2020</a:t>
+              <a:t>8/29/2020</a:t>
             </a:fld>
             <a:endParaRPr lang="en-US"/>
           </a:p>
@@ -3155,7 +3155,7 @@
           <a:p>
             <a:fld id="{EDFBF3AC-A781-43AA-8BD5-B12F49168B94}" type="datetime1">
               <a:rPr lang="en-US" smtClean="0"/>
-              <a:t>8/28/2020</a:t>
+              <a:t>8/29/2020</a:t>
             </a:fld>
             <a:endParaRPr lang="en-US"/>
           </a:p>
@@ -3440,7 +3440,7 @@
           <a:p>
             <a:fld id="{C5256A41-C91B-43FF-9881-F5DA9878418F}" type="datetime1">
               <a:rPr lang="en-US" smtClean="0"/>
-              <a:t>8/28/2020</a:t>
+              <a:t>8/29/2020</a:t>
             </a:fld>
             <a:endParaRPr lang="en-US"/>
           </a:p>
@@ -3843,7 +3843,7 @@
           <a:p>
             <a:fld id="{FFD7AA76-41EE-4C13-950E-E611B8B8FC52}" type="datetime1">
               <a:rPr lang="en-US" smtClean="0"/>
-              <a:t>8/28/2020</a:t>
+              <a:t>8/29/2020</a:t>
             </a:fld>
             <a:endParaRPr lang="en-US"/>
           </a:p>
@@ -3990,7 +3990,7 @@
           <a:p>
             <a:fld id="{89407A26-E7BC-4498-97E4-87AF12377CA9}" type="datetime1">
               <a:rPr lang="en-US" smtClean="0"/>
-              <a:t>8/28/2020</a:t>
+              <a:t>8/29/2020</a:t>
             </a:fld>
             <a:endParaRPr lang="en-US"/>
           </a:p>
@@ -4105,7 +4105,7 @@
           <a:p>
             <a:fld id="{93EA4171-1117-4486-993C-35A7470D8847}" type="datetime1">
               <a:rPr lang="en-US" smtClean="0"/>
-              <a:t>8/28/2020</a:t>
+              <a:t>8/29/2020</a:t>
             </a:fld>
             <a:endParaRPr lang="en-US"/>
           </a:p>
@@ -4377,7 +4377,7 @@
           <a:p>
             <a:fld id="{472A4CB8-1563-4663-81DB-74EB416C19BE}" type="datetime1">
               <a:rPr lang="en-US" smtClean="0"/>
-              <a:t>8/28/2020</a:t>
+              <a:t>8/29/2020</a:t>
             </a:fld>
             <a:endParaRPr lang="en-US"/>
           </a:p>
@@ -4713,7 +4713,7 @@
           <a:p>
             <a:fld id="{0C6724CE-2468-448B-87C1-A92EDD78369B}" type="datetime1">
               <a:rPr lang="en-US" smtClean="0"/>
-              <a:t>8/28/2020</a:t>
+              <a:t>8/29/2020</a:t>
             </a:fld>
             <a:endParaRPr lang="en-US"/>
           </a:p>
@@ -4974,7 +4974,7 @@
           <a:p>
             <a:fld id="{4CD11720-76E7-46E6-B0AA-057287C42052}" type="datetime1">
               <a:rPr lang="en-US" smtClean="0"/>
-              <a:t>8/28/2020</a:t>
+              <a:t>8/29/2020</a:t>
             </a:fld>
             <a:endParaRPr lang="en-US" dirty="0"/>
           </a:p>
@@ -9320,8 +9320,8 @@
             </p:sp>
           </mc:Fallback>
         </mc:AlternateContent>
-        <mc:AlternateContent xmlns:mc="http://schemas.openxmlformats.org/markup-compatibility/2006">
-          <mc:Choice xmlns:a14="http://schemas.microsoft.com/office/drawing/2010/main" Requires="a14">
+        <mc:AlternateContent xmlns:mc="http://schemas.openxmlformats.org/markup-compatibility/2006" xmlns:a14="http://schemas.microsoft.com/office/drawing/2010/main">
+          <mc:Choice Requires="a14">
             <p:sp>
               <p:nvSpPr>
                 <p:cNvPr id="37" name="TextBox 36">
@@ -9392,7 +9392,7 @@
               </p:txBody>
             </p:sp>
           </mc:Choice>
-          <mc:Fallback>
+          <mc:Fallback xmlns="">
             <p:sp>
               <p:nvSpPr>
                 <p:cNvPr id="37" name="TextBox 36">
@@ -12517,6 +12517,9 @@
               <a:ext uri="{FF2B5EF4-FFF2-40B4-BE49-F238E27FC236}">
                 <a16:creationId xmlns:a16="http://schemas.microsoft.com/office/drawing/2014/main" id="{D6DCBDBE-C25E-4407-B974-E11741175807}"/>
               </a:ext>
+              <a:ext uri="{C183D7F6-B498-43B3-948B-1728B52AA6E4}">
+                <adec:decorative xmlns:adec="http://schemas.microsoft.com/office/drawing/2017/decorative" val="1"/>
+              </a:ext>
             </a:extLst>
           </p:cNvPr>
           <p:cNvSpPr/>
@@ -13659,6 +13662,9 @@
             <a:extLst>
               <a:ext uri="{FF2B5EF4-FFF2-40B4-BE49-F238E27FC236}">
                 <a16:creationId xmlns:a16="http://schemas.microsoft.com/office/drawing/2014/main" id="{6A82654A-5E25-45BE-9696-0383A37DCB0B}"/>
+              </a:ext>
+              <a:ext uri="{C183D7F6-B498-43B3-948B-1728B52AA6E4}">
+                <adec:decorative xmlns:adec="http://schemas.microsoft.com/office/drawing/2017/decorative" val="1"/>
               </a:ext>
             </a:extLst>
           </p:cNvPr>
@@ -15758,6 +15764,9 @@
               <a:ext uri="{FF2B5EF4-FFF2-40B4-BE49-F238E27FC236}">
                 <a16:creationId xmlns:a16="http://schemas.microsoft.com/office/drawing/2014/main" id="{5868C643-5A41-4E25-A169-46C75D985538}"/>
               </a:ext>
+              <a:ext uri="{C183D7F6-B498-43B3-948B-1728B52AA6E4}">
+                <adec:decorative xmlns:adec="http://schemas.microsoft.com/office/drawing/2017/decorative" val="1"/>
+              </a:ext>
             </a:extLst>
           </p:cNvPr>
           <p:cNvSpPr/>
@@ -15837,6 +15846,9 @@
             <a:extLst>
               <a:ext uri="{FF2B5EF4-FFF2-40B4-BE49-F238E27FC236}">
                 <a16:creationId xmlns:a16="http://schemas.microsoft.com/office/drawing/2014/main" id="{597E9BF1-5FA9-4566-A8BA-8BE0CCEC4A57}"/>
+              </a:ext>
+              <a:ext uri="{C183D7F6-B498-43B3-948B-1728B52AA6E4}">
+                <adec:decorative xmlns:adec="http://schemas.microsoft.com/office/drawing/2017/decorative" val="1"/>
               </a:ext>
             </a:extLst>
           </p:cNvPr>
